--- a/Docs/Andrej Szalma-SOČ.pptx
+++ b/Docs/Andrej Szalma-SOČ.pptx
@@ -5,31 +5,32 @@
     <p:sldMasterId id="2147483648" r:id="rId1"/>
   </p:sldMasterIdLst>
   <p:notesMasterIdLst>
-    <p:notesMasterId r:id="rId21"/>
+    <p:notesMasterId r:id="rId22"/>
   </p:notesMasterIdLst>
   <p:handoutMasterIdLst>
-    <p:handoutMasterId r:id="rId22"/>
+    <p:handoutMasterId r:id="rId23"/>
   </p:handoutMasterIdLst>
   <p:sldIdLst>
-    <p:sldId id="262" r:id="rId2"/>
-    <p:sldId id="258" r:id="rId3"/>
-    <p:sldId id="259" r:id="rId4"/>
-    <p:sldId id="260" r:id="rId5"/>
-    <p:sldId id="261" r:id="rId6"/>
-    <p:sldId id="275" r:id="rId7"/>
-    <p:sldId id="263" r:id="rId8"/>
-    <p:sldId id="264" r:id="rId9"/>
-    <p:sldId id="265" r:id="rId10"/>
-    <p:sldId id="266" r:id="rId11"/>
-    <p:sldId id="267" r:id="rId12"/>
-    <p:sldId id="268" r:id="rId13"/>
-    <p:sldId id="269" r:id="rId14"/>
-    <p:sldId id="270" r:id="rId15"/>
-    <p:sldId id="271" r:id="rId16"/>
-    <p:sldId id="272" r:id="rId17"/>
-    <p:sldId id="273" r:id="rId18"/>
-    <p:sldId id="276" r:id="rId19"/>
-    <p:sldId id="257" r:id="rId20"/>
+    <p:sldId id="277" r:id="rId2"/>
+    <p:sldId id="262" r:id="rId3"/>
+    <p:sldId id="258" r:id="rId4"/>
+    <p:sldId id="259" r:id="rId5"/>
+    <p:sldId id="260" r:id="rId6"/>
+    <p:sldId id="261" r:id="rId7"/>
+    <p:sldId id="275" r:id="rId8"/>
+    <p:sldId id="263" r:id="rId9"/>
+    <p:sldId id="264" r:id="rId10"/>
+    <p:sldId id="265" r:id="rId11"/>
+    <p:sldId id="266" r:id="rId12"/>
+    <p:sldId id="267" r:id="rId13"/>
+    <p:sldId id="268" r:id="rId14"/>
+    <p:sldId id="269" r:id="rId15"/>
+    <p:sldId id="270" r:id="rId16"/>
+    <p:sldId id="271" r:id="rId17"/>
+    <p:sldId id="272" r:id="rId18"/>
+    <p:sldId id="273" r:id="rId19"/>
+    <p:sldId id="276" r:id="rId20"/>
+    <p:sldId id="257" r:id="rId21"/>
   </p:sldIdLst>
   <p:sldSz cx="12192000" cy="6858000"/>
   <p:notesSz cx="9144000" cy="6858000"/>
@@ -128,6 +129,14 @@
       </a:defRPr>
     </a:lvl9pPr>
   </p:defaultTextStyle>
+  <p:extLst>
+    <p:ext uri="{EFAFB233-063F-42B5-8137-9DF3F51BA10A}">
+      <p15:sldGuideLst xmlns:p15="http://schemas.microsoft.com/office/powerpoint/2012/main"/>
+    </p:ext>
+    <p:ext uri="{2D200454-40CA-4A62-9FC3-DE9A4176ACB9}">
+      <p15:notesGuideLst xmlns:p15="http://schemas.microsoft.com/office/powerpoint/2012/main"/>
+    </p:ext>
+  </p:extLst>
 </p:presentation>
 </file>
 
@@ -213,7 +222,7 @@
           <a:p>
             <a:fld id="{74030E63-FB0A-4695-A2C6-A11130C5B841}" type="datetimeFigureOut">
               <a:rPr lang="en-GB" smtClean="0"/>
-              <a:t>03/03/2019</a:t>
+              <a:t>10/04/2019</a:t>
             </a:fld>
             <a:endParaRPr lang="en-GB"/>
           </a:p>
@@ -378,7 +387,7 @@
           <a:p>
             <a:fld id="{F859DFF8-AB2B-40F8-B06A-8E222FD0D9A9}" type="datetimeFigureOut">
               <a:rPr lang="en-GB" smtClean="0"/>
-              <a:t>03/03/2019</a:t>
+              <a:t>10/04/2019</a:t>
             </a:fld>
             <a:endParaRPr lang="en-GB"/>
           </a:p>
@@ -690,7 +699,49 @@
           <a:bodyPr/>
           <a:lstStyle/>
           <a:p>
+            <a:r>
+              <a:rPr lang="sk-SK" dirty="0" smtClean="0"/>
+              <a:t>Viete čo majú spoločné bežný,</a:t>
+            </a:r>
+            <a:r>
+              <a:rPr lang="sk-SK" baseline="0" dirty="0" smtClean="0"/>
+              <a:t> </a:t>
+            </a:r>
+            <a:r>
+              <a:rPr lang="sk-SK" dirty="0" smtClean="0"/>
+              <a:t>neznalý používatelia moderných technológií a rybičky v jazere?</a:t>
+            </a:r>
             <a:endParaRPr lang="sk-SK" baseline="0" dirty="0" smtClean="0"/>
+          </a:p>
+          <a:p>
+            <a:r>
+              <a:rPr lang="sk-SK" baseline="0" dirty="0" smtClean="0"/>
+              <a:t>Že sa veľmi ľahko nechajú nachytať</a:t>
+            </a:r>
+          </a:p>
+          <a:p>
+            <a:endParaRPr lang="sk-SK" baseline="0" dirty="0" smtClean="0"/>
+          </a:p>
+          <a:p>
+            <a:r>
+              <a:rPr lang="sk-SK" baseline="0" dirty="0" smtClean="0">
+                <a:sym typeface="Wingdings" panose="05000000000000000000" pitchFamily="2" charset="2"/>
+              </a:rPr>
+              <a:t>Po uvedomení si tohto faktu, som bol motivovaný vytvoriť niečo, čo môže používať hocikto, aj ľudia bez technického vzdelania a následne zistiť </a:t>
+            </a:r>
+            <a:r>
+              <a:rPr lang="sk-SK" baseline="0" dirty="0" err="1" smtClean="0">
+                <a:sym typeface="Wingdings" panose="05000000000000000000" pitchFamily="2" charset="2"/>
+              </a:rPr>
+              <a:t>infomácie</a:t>
+            </a:r>
+            <a:r>
+              <a:rPr lang="sk-SK" baseline="0" dirty="0" smtClean="0">
+                <a:sym typeface="Wingdings" panose="05000000000000000000" pitchFamily="2" charset="2"/>
+              </a:rPr>
+              <a:t> o základnej funkčnosti určitých technológií</a:t>
+            </a:r>
+            <a:endParaRPr lang="en-GB" dirty="0"/>
           </a:p>
         </p:txBody>
       </p:sp>
@@ -720,7 +771,7 @@
     </p:spTree>
     <p:extLst>
       <p:ext uri="{BB962C8B-B14F-4D97-AF65-F5344CB8AC3E}">
-        <p14:creationId xmlns:p14="http://schemas.microsoft.com/office/powerpoint/2010/main" val="4277638839"/>
+        <p14:creationId xmlns:p14="http://schemas.microsoft.com/office/powerpoint/2010/main" val="436316352"/>
       </p:ext>
     </p:extLst>
   </p:cSld>
@@ -804,7 +855,7 @@
     </p:spTree>
     <p:extLst>
       <p:ext uri="{BB962C8B-B14F-4D97-AF65-F5344CB8AC3E}">
-        <p14:creationId xmlns:p14="http://schemas.microsoft.com/office/powerpoint/2010/main" val="3685898521"/>
+        <p14:creationId xmlns:p14="http://schemas.microsoft.com/office/powerpoint/2010/main" val="2994212555"/>
       </p:ext>
     </p:extLst>
   </p:cSld>
@@ -888,7 +939,7 @@
     </p:spTree>
     <p:extLst>
       <p:ext uri="{BB962C8B-B14F-4D97-AF65-F5344CB8AC3E}">
-        <p14:creationId xmlns:p14="http://schemas.microsoft.com/office/powerpoint/2010/main" val="3137652580"/>
+        <p14:creationId xmlns:p14="http://schemas.microsoft.com/office/powerpoint/2010/main" val="3685898521"/>
       </p:ext>
     </p:extLst>
   </p:cSld>
@@ -972,7 +1023,7 @@
     </p:spTree>
     <p:extLst>
       <p:ext uri="{BB962C8B-B14F-4D97-AF65-F5344CB8AC3E}">
-        <p14:creationId xmlns:p14="http://schemas.microsoft.com/office/powerpoint/2010/main" val="1996894984"/>
+        <p14:creationId xmlns:p14="http://schemas.microsoft.com/office/powerpoint/2010/main" val="3137652580"/>
       </p:ext>
     </p:extLst>
   </p:cSld>
@@ -1056,7 +1107,7 @@
     </p:spTree>
     <p:extLst>
       <p:ext uri="{BB962C8B-B14F-4D97-AF65-F5344CB8AC3E}">
-        <p14:creationId xmlns:p14="http://schemas.microsoft.com/office/powerpoint/2010/main" val="412735873"/>
+        <p14:creationId xmlns:p14="http://schemas.microsoft.com/office/powerpoint/2010/main" val="1996894984"/>
       </p:ext>
     </p:extLst>
   </p:cSld>
@@ -1140,7 +1191,7 @@
     </p:spTree>
     <p:extLst>
       <p:ext uri="{BB962C8B-B14F-4D97-AF65-F5344CB8AC3E}">
-        <p14:creationId xmlns:p14="http://schemas.microsoft.com/office/powerpoint/2010/main" val="2024335250"/>
+        <p14:creationId xmlns:p14="http://schemas.microsoft.com/office/powerpoint/2010/main" val="412735873"/>
       </p:ext>
     </p:extLst>
   </p:cSld>
@@ -1224,7 +1275,7 @@
     </p:spTree>
     <p:extLst>
       <p:ext uri="{BB962C8B-B14F-4D97-AF65-F5344CB8AC3E}">
-        <p14:creationId xmlns:p14="http://schemas.microsoft.com/office/powerpoint/2010/main" val="858237994"/>
+        <p14:creationId xmlns:p14="http://schemas.microsoft.com/office/powerpoint/2010/main" val="2024335250"/>
       </p:ext>
     </p:extLst>
   </p:cSld>
@@ -1308,7 +1359,7 @@
     </p:spTree>
     <p:extLst>
       <p:ext uri="{BB962C8B-B14F-4D97-AF65-F5344CB8AC3E}">
-        <p14:creationId xmlns:p14="http://schemas.microsoft.com/office/powerpoint/2010/main" val="2577419193"/>
+        <p14:creationId xmlns:p14="http://schemas.microsoft.com/office/powerpoint/2010/main" val="858237994"/>
       </p:ext>
     </p:extLst>
   </p:cSld>
@@ -1392,7 +1443,7 @@
     </p:spTree>
     <p:extLst>
       <p:ext uri="{BB962C8B-B14F-4D97-AF65-F5344CB8AC3E}">
-        <p14:creationId xmlns:p14="http://schemas.microsoft.com/office/powerpoint/2010/main" val="1952255259"/>
+        <p14:creationId xmlns:p14="http://schemas.microsoft.com/office/powerpoint/2010/main" val="2577419193"/>
       </p:ext>
     </p:extLst>
   </p:cSld>
@@ -1476,7 +1527,7 @@
     </p:spTree>
     <p:extLst>
       <p:ext uri="{BB962C8B-B14F-4D97-AF65-F5344CB8AC3E}">
-        <p14:creationId xmlns:p14="http://schemas.microsoft.com/office/powerpoint/2010/main" val="113763928"/>
+        <p14:creationId xmlns:p14="http://schemas.microsoft.com/office/powerpoint/2010/main" val="1952255259"/>
       </p:ext>
     </p:extLst>
   </p:cSld>
@@ -1560,7 +1611,7 @@
     </p:spTree>
     <p:extLst>
       <p:ext uri="{BB962C8B-B14F-4D97-AF65-F5344CB8AC3E}">
-        <p14:creationId xmlns:p14="http://schemas.microsoft.com/office/powerpoint/2010/main" val="1708688424"/>
+        <p14:creationId xmlns:p14="http://schemas.microsoft.com/office/powerpoint/2010/main" val="113763928"/>
       </p:ext>
     </p:extLst>
   </p:cSld>
@@ -1614,31 +1665,7 @@
           <a:bodyPr/>
           <a:lstStyle/>
           <a:p>
-            <a:r>
-              <a:rPr lang="sk-SK" baseline="0" dirty="0" smtClean="0"/>
-              <a:t>Používal niekto z vás takéto alebo podobné zariadenia? (haha)</a:t>
-            </a:r>
-          </a:p>
-          <a:p>
             <a:endParaRPr lang="sk-SK" baseline="0" dirty="0" smtClean="0"/>
-          </a:p>
-          <a:p>
-            <a:r>
-              <a:rPr lang="sk-SK" baseline="0" dirty="0" smtClean="0"/>
-              <a:t>Ak by som sa túto istú otázku spýtal na základnej škole v </a:t>
-            </a:r>
-            <a:r>
-              <a:rPr lang="sk-SK" baseline="0" dirty="0" err="1" smtClean="0"/>
-              <a:t>tiede</a:t>
-            </a:r>
-            <a:r>
-              <a:rPr lang="sk-SK" baseline="0" dirty="0" smtClean="0"/>
-              <a:t> 5. ročníku – vysmiali by ma a mysleli by si že som asi zaostalí</a:t>
-            </a:r>
-            <a:endParaRPr lang="sk-SK" dirty="0" smtClean="0"/>
-          </a:p>
-          <a:p>
-            <a:endParaRPr lang="en-GB" dirty="0"/>
           </a:p>
         </p:txBody>
       </p:sp>
@@ -1668,7 +1695,91 @@
     </p:spTree>
     <p:extLst>
       <p:ext uri="{BB962C8B-B14F-4D97-AF65-F5344CB8AC3E}">
-        <p14:creationId xmlns:p14="http://schemas.microsoft.com/office/powerpoint/2010/main" val="4083273539"/>
+        <p14:creationId xmlns:p14="http://schemas.microsoft.com/office/powerpoint/2010/main" val="4277638839"/>
+      </p:ext>
+    </p:extLst>
+  </p:cSld>
+  <p:clrMapOvr>
+    <a:masterClrMapping/>
+  </p:clrMapOvr>
+</p:notes>
+</file>
+
+<file path=ppt/notesSlides/notesSlide20.xml><?xml version="1.0" encoding="utf-8"?>
+<p:notes xmlns:a="http://schemas.openxmlformats.org/drawingml/2006/main" xmlns:r="http://schemas.openxmlformats.org/officeDocument/2006/relationships" xmlns:p="http://schemas.openxmlformats.org/presentationml/2006/main">
+  <p:cSld>
+    <p:spTree>
+      <p:nvGrpSpPr>
+        <p:cNvPr id="1" name=""/>
+        <p:cNvGrpSpPr/>
+        <p:nvPr/>
+      </p:nvGrpSpPr>
+      <p:grpSpPr>
+        <a:xfrm>
+          <a:off x="0" y="0"/>
+          <a:ext cx="0" cy="0"/>
+          <a:chOff x="0" y="0"/>
+          <a:chExt cx="0" cy="0"/>
+        </a:xfrm>
+      </p:grpSpPr>
+      <p:sp>
+        <p:nvSpPr>
+          <p:cNvPr id="2" name="Zástupný symbol pro obrázek snímku 1"/>
+          <p:cNvSpPr>
+            <a:spLocks noGrp="1" noRot="1" noChangeAspect="1"/>
+          </p:cNvSpPr>
+          <p:nvPr>
+            <p:ph type="sldImg"/>
+          </p:nvPr>
+        </p:nvSpPr>
+        <p:spPr/>
+      </p:sp>
+      <p:sp>
+        <p:nvSpPr>
+          <p:cNvPr id="3" name="Zástupný symbol pro poznámky 2"/>
+          <p:cNvSpPr>
+            <a:spLocks noGrp="1"/>
+          </p:cNvSpPr>
+          <p:nvPr>
+            <p:ph type="body" idx="1"/>
+          </p:nvPr>
+        </p:nvSpPr>
+        <p:spPr/>
+        <p:txBody>
+          <a:bodyPr/>
+          <a:lstStyle/>
+          <a:p>
+            <a:endParaRPr lang="en-GB" dirty="0"/>
+          </a:p>
+        </p:txBody>
+      </p:sp>
+      <p:sp>
+        <p:nvSpPr>
+          <p:cNvPr id="4" name="Zástupný symbol pro číslo snímku 3"/>
+          <p:cNvSpPr>
+            <a:spLocks noGrp="1"/>
+          </p:cNvSpPr>
+          <p:nvPr>
+            <p:ph type="sldNum" sz="quarter" idx="10"/>
+          </p:nvPr>
+        </p:nvSpPr>
+        <p:spPr/>
+        <p:txBody>
+          <a:bodyPr/>
+          <a:lstStyle/>
+          <a:p>
+            <a:fld id="{F33AC43F-8D2C-427C-A59C-E5DD8194AA44}" type="slidenum">
+              <a:rPr lang="en-GB" smtClean="0"/>
+              <a:t>20</a:t>
+            </a:fld>
+            <a:endParaRPr lang="en-GB"/>
+          </a:p>
+        </p:txBody>
+      </p:sp>
+    </p:spTree>
+    <p:extLst>
+      <p:ext uri="{BB962C8B-B14F-4D97-AF65-F5344CB8AC3E}">
+        <p14:creationId xmlns:p14="http://schemas.microsoft.com/office/powerpoint/2010/main" val="1708688424"/>
       </p:ext>
     </p:extLst>
   </p:cSld>
@@ -1723,12 +1834,8 @@
           <a:lstStyle/>
           <a:p>
             <a:r>
-              <a:rPr lang="sk-SK" dirty="0" smtClean="0"/>
-              <a:t>Ale akonáhle by som sa spýtal tú istú otázku spýtal s týmto obrázkom,</a:t>
-            </a:r>
-            <a:r>
               <a:rPr lang="sk-SK" baseline="0" dirty="0" smtClean="0"/>
-              <a:t> počet zabávajúcich sa by radikálne klesol</a:t>
+              <a:t>Používal niekto z vás takéto alebo podobné zariadenia? (haha)</a:t>
             </a:r>
           </a:p>
           <a:p>
@@ -1737,35 +1844,20 @@
           <a:p>
             <a:r>
               <a:rPr lang="sk-SK" baseline="0" dirty="0" smtClean="0"/>
-              <a:t>Predstavme si rovnaký scenár len o 5 rokov, silno pochybujem, že by sa hocikto zasmial</a:t>
-            </a:r>
-          </a:p>
-          <a:p>
+              <a:t>Ak by som sa túto istú otázku spýtal na základnej škole v </a:t>
+            </a:r>
+            <a:r>
+              <a:rPr lang="sk-SK" baseline="0" dirty="0" err="1" smtClean="0"/>
+              <a:t>tiede</a:t>
+            </a:r>
             <a:r>
               <a:rPr lang="sk-SK" baseline="0" dirty="0" smtClean="0"/>
-              <a:t>...</a:t>
-            </a:r>
-          </a:p>
-          <a:p>
-            <a:r>
-              <a:rPr lang="sk-SK" baseline="0" dirty="0" smtClean="0"/>
-              <a:t>Znie to možno vtipne, ale je to realita</a:t>
-            </a:r>
-            <a:endParaRPr lang="en-GB" dirty="0" smtClean="0"/>
-          </a:p>
-          <a:p>
-            <a:r>
-              <a:rPr lang="sk-SK" baseline="0" dirty="0" smtClean="0"/>
-              <a:t>Knihy ako ich poznáme sú čoraz viac nahrádzané </a:t>
-            </a:r>
-            <a:r>
-              <a:rPr lang="sk-SK" baseline="0" dirty="0" err="1" smtClean="0"/>
-              <a:t>PDFkami</a:t>
-            </a:r>
-            <a:r>
-              <a:rPr lang="sk-SK" baseline="0" dirty="0" smtClean="0"/>
-              <a:t> v počítačoch, telefónoch, e-čítačkami a ... Tak... Ďalej</a:t>
-            </a:r>
+              <a:t> 5. ročníku – vysmiali by ma a mysleli by si že som asi zaostalí</a:t>
+            </a:r>
+            <a:endParaRPr lang="sk-SK" dirty="0" smtClean="0"/>
+          </a:p>
+          <a:p>
+            <a:endParaRPr lang="en-GB" dirty="0"/>
           </a:p>
         </p:txBody>
       </p:sp>
@@ -1795,7 +1887,7 @@
     </p:spTree>
     <p:extLst>
       <p:ext uri="{BB962C8B-B14F-4D97-AF65-F5344CB8AC3E}">
-        <p14:creationId xmlns:p14="http://schemas.microsoft.com/office/powerpoint/2010/main" val="2241600514"/>
+        <p14:creationId xmlns:p14="http://schemas.microsoft.com/office/powerpoint/2010/main" val="4083273539"/>
       </p:ext>
     </p:extLst>
   </p:cSld>
@@ -1851,13 +1943,48 @@
           <a:p>
             <a:r>
               <a:rPr lang="sk-SK" dirty="0" smtClean="0"/>
-              <a:t>Tento pohľad</a:t>
+              <a:t>Ale akonáhle by som sa spýtal tú istú otázku spýtal s týmto obrázkom,</a:t>
             </a:r>
             <a:r>
               <a:rPr lang="sk-SK" baseline="0" dirty="0" smtClean="0"/>
-              <a:t>, bude do pár rokov úplne nahradený, pravda ak ešte nie je  ...</a:t>
-            </a:r>
-            <a:endParaRPr lang="en-GB" dirty="0"/>
+              <a:t> počet zabávajúcich sa by radikálne klesol</a:t>
+            </a:r>
+          </a:p>
+          <a:p>
+            <a:endParaRPr lang="sk-SK" baseline="0" dirty="0" smtClean="0"/>
+          </a:p>
+          <a:p>
+            <a:r>
+              <a:rPr lang="sk-SK" baseline="0" dirty="0" smtClean="0"/>
+              <a:t>Predstavme si rovnaký scenár len o 5 rokov, silno pochybujem, že by sa hocikto zasmial</a:t>
+            </a:r>
+          </a:p>
+          <a:p>
+            <a:r>
+              <a:rPr lang="sk-SK" baseline="0" dirty="0" smtClean="0"/>
+              <a:t>...</a:t>
+            </a:r>
+          </a:p>
+          <a:p>
+            <a:r>
+              <a:rPr lang="sk-SK" baseline="0" dirty="0" smtClean="0"/>
+              <a:t>Znie to možno vtipne, ale je to realita</a:t>
+            </a:r>
+            <a:endParaRPr lang="en-GB" dirty="0" smtClean="0"/>
+          </a:p>
+          <a:p>
+            <a:r>
+              <a:rPr lang="sk-SK" baseline="0" dirty="0" smtClean="0"/>
+              <a:t>Knihy ako ich poznáme sú čoraz viac nahrádzané </a:t>
+            </a:r>
+            <a:r>
+              <a:rPr lang="sk-SK" baseline="0" dirty="0" err="1" smtClean="0"/>
+              <a:t>PDFkami</a:t>
+            </a:r>
+            <a:r>
+              <a:rPr lang="sk-SK" baseline="0" dirty="0" smtClean="0"/>
+              <a:t> v počítačoch, telefónoch, e-čítačkami a ... Tak... Ďalej</a:t>
+            </a:r>
           </a:p>
         </p:txBody>
       </p:sp>
@@ -1887,7 +2014,7 @@
     </p:spTree>
     <p:extLst>
       <p:ext uri="{BB962C8B-B14F-4D97-AF65-F5344CB8AC3E}">
-        <p14:creationId xmlns:p14="http://schemas.microsoft.com/office/powerpoint/2010/main" val="1325592886"/>
+        <p14:creationId xmlns:p14="http://schemas.microsoft.com/office/powerpoint/2010/main" val="2241600514"/>
       </p:ext>
     </p:extLst>
   </p:cSld>
@@ -1943,73 +2070,11 @@
           <a:p>
             <a:r>
               <a:rPr lang="sk-SK" dirty="0" smtClean="0"/>
-              <a:t>... Týmto</a:t>
-            </a:r>
-          </a:p>
-          <a:p>
-            <a:endParaRPr lang="sk-SK" dirty="0" smtClean="0"/>
-          </a:p>
-          <a:p>
-            <a:r>
-              <a:rPr lang="sk-SK" dirty="0" smtClean="0"/>
-              <a:t>Určite</a:t>
+              <a:t>Tento pohľad</a:t>
             </a:r>
             <a:r>
               <a:rPr lang="sk-SK" baseline="0" dirty="0" smtClean="0"/>
-              <a:t> si hovoríte ž</a:t>
-            </a:r>
-            <a:r>
-              <a:rPr lang="sk-SK" dirty="0" smtClean="0"/>
-              <a:t>e to je smutné .... Ale </a:t>
-            </a:r>
-            <a:r>
-              <a:rPr lang="sk-SK" baseline="0" dirty="0" smtClean="0"/>
-              <a:t>prečo?! Prečo by tento fakt mal byť vnímaný </a:t>
-            </a:r>
-            <a:r>
-              <a:rPr lang="sk-SK" baseline="0" dirty="0" err="1" smtClean="0"/>
-              <a:t>negatiívne</a:t>
-            </a:r>
-            <a:r>
-              <a:rPr lang="sk-SK" baseline="0" dirty="0" smtClean="0"/>
-              <a:t>, veď dnešné </a:t>
-            </a:r>
-            <a:r>
-              <a:rPr lang="sk-SK" baseline="0" dirty="0" err="1" smtClean="0"/>
-              <a:t>smart</a:t>
-            </a:r>
-            <a:r>
-              <a:rPr lang="sk-SK" baseline="0" dirty="0" smtClean="0"/>
-              <a:t> zariadenia dokážu oveľa viac ako nám len poskytovať holé informácie.</a:t>
-            </a:r>
-          </a:p>
-          <a:p>
-            <a:r>
-              <a:rPr lang="sk-SK" baseline="0" dirty="0" smtClean="0"/>
-              <a:t>Je to nová doba s novými spôsobmi</a:t>
-            </a:r>
-          </a:p>
-          <a:p>
-            <a:endParaRPr lang="sk-SK" baseline="0" dirty="0" smtClean="0"/>
-          </a:p>
-          <a:p>
-            <a:r>
-              <a:rPr lang="sk-SK" baseline="0" dirty="0" smtClean="0"/>
-              <a:t>// Takže ak by vám počas mojej prezentácie napadla otázka: „A prečo nie PDF-</a:t>
-            </a:r>
-            <a:r>
-              <a:rPr lang="sk-SK" baseline="0" dirty="0" err="1" smtClean="0"/>
-              <a:t>ko</a:t>
-            </a:r>
-            <a:r>
-              <a:rPr lang="sk-SK" baseline="0" dirty="0" smtClean="0"/>
-              <a:t>?“,</a:t>
-            </a:r>
-          </a:p>
-          <a:p>
-            <a:r>
-              <a:rPr lang="sk-SK" baseline="0" dirty="0" smtClean="0"/>
-              <a:t>// zamyslite sa či chceme spraviť všetko preto aby sa naša práca dostala medzi ľudí, medzi budúcu generáciu, alebo aby tu bo</a:t>
+              <a:t>, bude do pár rokov úplne nahradený, pravda ak ešte nie je  ...</a:t>
             </a:r>
             <a:endParaRPr lang="en-GB" dirty="0"/>
           </a:p>
@@ -2041,7 +2106,7 @@
     </p:spTree>
     <p:extLst>
       <p:ext uri="{BB962C8B-B14F-4D97-AF65-F5344CB8AC3E}">
-        <p14:creationId xmlns:p14="http://schemas.microsoft.com/office/powerpoint/2010/main" val="180112364"/>
+        <p14:creationId xmlns:p14="http://schemas.microsoft.com/office/powerpoint/2010/main" val="1325592886"/>
       </p:ext>
     </p:extLst>
   </p:cSld>
@@ -2097,77 +2162,75 @@
           <a:p>
             <a:r>
               <a:rPr lang="sk-SK" dirty="0" smtClean="0"/>
-              <a:t>Toto je Felix</a:t>
-            </a:r>
+              <a:t>... Týmto</a:t>
+            </a:r>
+          </a:p>
+          <a:p>
+            <a:endParaRPr lang="sk-SK" dirty="0" smtClean="0"/>
           </a:p>
           <a:p>
             <a:r>
               <a:rPr lang="sk-SK" dirty="0" smtClean="0"/>
-              <a:t>-   Felix</a:t>
+              <a:t>Určite</a:t>
             </a:r>
             <a:r>
               <a:rPr lang="sk-SK" baseline="0" dirty="0" smtClean="0"/>
-              <a:t> je šikovný a pracovitý, študent Informatiky, ktorý sa už nejaký ten čas venuje sieťam. Baví ho to a najviac sa zaujíma o bezpečnosť na </a:t>
+              <a:t> si hovoríte ž</a:t>
+            </a:r>
+            <a:r>
+              <a:rPr lang="sk-SK" dirty="0" smtClean="0"/>
+              <a:t>e to je smutné .... Ale </a:t>
+            </a:r>
+            <a:r>
+              <a:rPr lang="sk-SK" baseline="0" dirty="0" smtClean="0"/>
+              <a:t>prečo?! Prečo by tento fakt mal byť vnímaný </a:t>
             </a:r>
             <a:r>
               <a:rPr lang="sk-SK" baseline="0" dirty="0" err="1" smtClean="0"/>
-              <a:t>bezdrótových</a:t>
+              <a:t>negatiívne</a:t>
             </a:r>
             <a:r>
               <a:rPr lang="sk-SK" baseline="0" dirty="0" smtClean="0"/>
-              <a:t> sieťach – tzv. </a:t>
+              <a:t>, veď dnešné </a:t>
             </a:r>
             <a:r>
               <a:rPr lang="sk-SK" baseline="0" dirty="0" err="1" smtClean="0"/>
-              <a:t>Wifinách</a:t>
-            </a:r>
+              <a:t>smart</a:t>
+            </a:r>
+            <a:r>
+              <a:rPr lang="sk-SK" baseline="0" dirty="0" smtClean="0"/>
+              <a:t> zariadenia dokážu oveľa viac ako nám len poskytovať holé informácie.</a:t>
+            </a:r>
+          </a:p>
+          <a:p>
+            <a:r>
+              <a:rPr lang="sk-SK" baseline="0" dirty="0" smtClean="0"/>
+              <a:t>Je to nová doba s novými spôsobmi</a:t>
+            </a:r>
+          </a:p>
+          <a:p>
             <a:endParaRPr lang="sk-SK" baseline="0" dirty="0" smtClean="0"/>
           </a:p>
           <a:p>
-            <a:pPr marL="171450" indent="-171450">
-              <a:buFontTx/>
-              <a:buChar char="-"/>
-            </a:pPr>
             <a:r>
               <a:rPr lang="sk-SK" baseline="0" dirty="0" smtClean="0"/>
-              <a:t>Nie je to žiaden génius, ale môžeme o ňom povedať že sa v tom vyzná a má dostatok znalostí na uvedenie hocikoho do tejto problematiky</a:t>
-            </a:r>
-          </a:p>
-          <a:p>
-            <a:pPr marL="171450" indent="-171450">
-              <a:buFontTx/>
-              <a:buChar char="-"/>
-            </a:pPr>
+              <a:t>// Takže ak by vám počas mojej prezentácie napadla otázka: „A prečo nie PDF-</a:t>
+            </a:r>
+            <a:r>
+              <a:rPr lang="sk-SK" baseline="0" dirty="0" err="1" smtClean="0"/>
+              <a:t>ko</a:t>
+            </a:r>
             <a:r>
               <a:rPr lang="sk-SK" baseline="0" dirty="0" smtClean="0"/>
-              <a:t>Denno-denne sa stretáva s otázkami a frázami ako ... (</a:t>
-            </a:r>
-            <a:r>
-              <a:rPr lang="sk-SK" baseline="0" dirty="0" err="1" smtClean="0"/>
-              <a:t>animation</a:t>
-            </a:r>
+              <a:t>?“,</a:t>
+            </a:r>
+          </a:p>
+          <a:p>
             <a:r>
               <a:rPr lang="sk-SK" baseline="0" dirty="0" smtClean="0"/>
-              <a:t> no </a:t>
-            </a:r>
-            <a:r>
-              <a:rPr lang="sk-SK" baseline="0" dirty="0" err="1" smtClean="0"/>
-              <a:t>problem</a:t>
-            </a:r>
-            <a:r>
-              <a:rPr lang="sk-SK" baseline="0" dirty="0" smtClean="0"/>
-              <a:t>)  a chcel by niečo urobiť s takouto neznalosťou ľudí</a:t>
-            </a:r>
-          </a:p>
-          <a:p>
-            <a:pPr marL="171450" indent="-171450">
-              <a:buFontTx/>
-              <a:buChar char="-"/>
-            </a:pPr>
-            <a:r>
-              <a:rPr lang="sk-SK" baseline="0" dirty="0" smtClean="0"/>
-              <a:t>Presne preto sa rozhodol </a:t>
-            </a:r>
+              <a:t>// zamyslite sa či chceme spraviť všetko preto aby sa naša práca dostala medzi ľudí, medzi budúcu generáciu, alebo aby tu bo</a:t>
+            </a:r>
+            <a:endParaRPr lang="en-GB" dirty="0"/>
           </a:p>
         </p:txBody>
       </p:sp>
@@ -2197,7 +2260,7 @@
     </p:spTree>
     <p:extLst>
       <p:ext uri="{BB962C8B-B14F-4D97-AF65-F5344CB8AC3E}">
-        <p14:creationId xmlns:p14="http://schemas.microsoft.com/office/powerpoint/2010/main" val="2267740228"/>
+        <p14:creationId xmlns:p14="http://schemas.microsoft.com/office/powerpoint/2010/main" val="180112364"/>
       </p:ext>
     </p:extLst>
   </p:cSld>
@@ -2251,7 +2314,79 @@
           <a:bodyPr/>
           <a:lstStyle/>
           <a:p>
-            <a:endParaRPr lang="en-GB"/>
+            <a:r>
+              <a:rPr lang="sk-SK" dirty="0" smtClean="0"/>
+              <a:t>Toto je Felix</a:t>
+            </a:r>
+          </a:p>
+          <a:p>
+            <a:r>
+              <a:rPr lang="sk-SK" dirty="0" smtClean="0"/>
+              <a:t>-   Felix</a:t>
+            </a:r>
+            <a:r>
+              <a:rPr lang="sk-SK" baseline="0" dirty="0" smtClean="0"/>
+              <a:t> je šikovný a pracovitý, študent Informatiky, ktorý sa už nejaký ten čas venuje sieťam. Baví ho to a najviac sa zaujíma o bezpečnosť na </a:t>
+            </a:r>
+            <a:r>
+              <a:rPr lang="sk-SK" baseline="0" dirty="0" err="1" smtClean="0"/>
+              <a:t>bezdrótových</a:t>
+            </a:r>
+            <a:r>
+              <a:rPr lang="sk-SK" baseline="0" dirty="0" smtClean="0"/>
+              <a:t> sieťach – tzv. </a:t>
+            </a:r>
+            <a:r>
+              <a:rPr lang="sk-SK" baseline="0" dirty="0" err="1" smtClean="0"/>
+              <a:t>Wifinách</a:t>
+            </a:r>
+            <a:endParaRPr lang="sk-SK" baseline="0" dirty="0" smtClean="0"/>
+          </a:p>
+          <a:p>
+            <a:pPr marL="171450" indent="-171450">
+              <a:buFontTx/>
+              <a:buChar char="-"/>
+            </a:pPr>
+            <a:r>
+              <a:rPr lang="sk-SK" baseline="0" dirty="0" smtClean="0"/>
+              <a:t>Nie je to žiaden génius, ale môžeme o ňom povedať že sa v tom vyzná a má dostatok znalostí na uvedenie hocikoho do tejto problematiky</a:t>
+            </a:r>
+          </a:p>
+          <a:p>
+            <a:pPr marL="171450" indent="-171450">
+              <a:buFontTx/>
+              <a:buChar char="-"/>
+            </a:pPr>
+            <a:r>
+              <a:rPr lang="sk-SK" baseline="0" dirty="0" smtClean="0"/>
+              <a:t>Denno-denne sa stretáva s otázkami a frázami ako ... (</a:t>
+            </a:r>
+            <a:r>
+              <a:rPr lang="sk-SK" baseline="0" dirty="0" err="1" smtClean="0"/>
+              <a:t>animation</a:t>
+            </a:r>
+            <a:r>
+              <a:rPr lang="sk-SK" baseline="0" dirty="0" smtClean="0"/>
+              <a:t> no </a:t>
+            </a:r>
+            <a:r>
+              <a:rPr lang="sk-SK" baseline="0" dirty="0" err="1" smtClean="0"/>
+              <a:t>problem</a:t>
+            </a:r>
+            <a:r>
+              <a:rPr lang="sk-SK" baseline="0" dirty="0" smtClean="0"/>
+              <a:t>)  a chcel by niečo urobiť s takouto neznalosťou ľudí</a:t>
+            </a:r>
+          </a:p>
+          <a:p>
+            <a:pPr marL="171450" indent="-171450">
+              <a:buFontTx/>
+              <a:buChar char="-"/>
+            </a:pPr>
+            <a:r>
+              <a:rPr lang="sk-SK" baseline="0" dirty="0" smtClean="0"/>
+              <a:t>Presne preto sa rozhodol </a:t>
+            </a:r>
           </a:p>
         </p:txBody>
       </p:sp>
@@ -2281,7 +2416,7 @@
     </p:spTree>
     <p:extLst>
       <p:ext uri="{BB962C8B-B14F-4D97-AF65-F5344CB8AC3E}">
-        <p14:creationId xmlns:p14="http://schemas.microsoft.com/office/powerpoint/2010/main" val="3076415682"/>
+        <p14:creationId xmlns:p14="http://schemas.microsoft.com/office/powerpoint/2010/main" val="2267740228"/>
       </p:ext>
     </p:extLst>
   </p:cSld>
@@ -2365,7 +2500,7 @@
     </p:spTree>
     <p:extLst>
       <p:ext uri="{BB962C8B-B14F-4D97-AF65-F5344CB8AC3E}">
-        <p14:creationId xmlns:p14="http://schemas.microsoft.com/office/powerpoint/2010/main" val="3735017838"/>
+        <p14:creationId xmlns:p14="http://schemas.microsoft.com/office/powerpoint/2010/main" val="3076415682"/>
       </p:ext>
     </p:extLst>
   </p:cSld>
@@ -2449,7 +2584,7 @@
     </p:spTree>
     <p:extLst>
       <p:ext uri="{BB962C8B-B14F-4D97-AF65-F5344CB8AC3E}">
-        <p14:creationId xmlns:p14="http://schemas.microsoft.com/office/powerpoint/2010/main" val="2994212555"/>
+        <p14:creationId xmlns:p14="http://schemas.microsoft.com/office/powerpoint/2010/main" val="3735017838"/>
       </p:ext>
     </p:extLst>
   </p:cSld>
@@ -2590,7 +2725,7 @@
           <a:p>
             <a:fld id="{F9CBECAF-DD63-4D89-BB9C-C4596798D183}" type="datetimeFigureOut">
               <a:rPr lang="en-GB" smtClean="0"/>
-              <a:t>03/03/2019</a:t>
+              <a:t>10/04/2019</a:t>
             </a:fld>
             <a:endParaRPr lang="en-GB"/>
           </a:p>
@@ -2760,7 +2895,7 @@
           <a:p>
             <a:fld id="{F9CBECAF-DD63-4D89-BB9C-C4596798D183}" type="datetimeFigureOut">
               <a:rPr lang="en-GB" smtClean="0"/>
-              <a:t>03/03/2019</a:t>
+              <a:t>10/04/2019</a:t>
             </a:fld>
             <a:endParaRPr lang="en-GB"/>
           </a:p>
@@ -2940,7 +3075,7 @@
           <a:p>
             <a:fld id="{F9CBECAF-DD63-4D89-BB9C-C4596798D183}" type="datetimeFigureOut">
               <a:rPr lang="en-GB" smtClean="0"/>
-              <a:t>03/03/2019</a:t>
+              <a:t>10/04/2019</a:t>
             </a:fld>
             <a:endParaRPr lang="en-GB"/>
           </a:p>
@@ -3110,7 +3245,7 @@
           <a:p>
             <a:fld id="{F9CBECAF-DD63-4D89-BB9C-C4596798D183}" type="datetimeFigureOut">
               <a:rPr lang="en-GB" smtClean="0"/>
-              <a:t>03/03/2019</a:t>
+              <a:t>10/04/2019</a:t>
             </a:fld>
             <a:endParaRPr lang="en-GB"/>
           </a:p>
@@ -3356,7 +3491,7 @@
           <a:p>
             <a:fld id="{F9CBECAF-DD63-4D89-BB9C-C4596798D183}" type="datetimeFigureOut">
               <a:rPr lang="en-GB" smtClean="0"/>
-              <a:t>03/03/2019</a:t>
+              <a:t>10/04/2019</a:t>
             </a:fld>
             <a:endParaRPr lang="en-GB"/>
           </a:p>
@@ -3588,7 +3723,7 @@
           <a:p>
             <a:fld id="{F9CBECAF-DD63-4D89-BB9C-C4596798D183}" type="datetimeFigureOut">
               <a:rPr lang="en-GB" smtClean="0"/>
-              <a:t>03/03/2019</a:t>
+              <a:t>10/04/2019</a:t>
             </a:fld>
             <a:endParaRPr lang="en-GB"/>
           </a:p>
@@ -3955,7 +4090,7 @@
           <a:p>
             <a:fld id="{F9CBECAF-DD63-4D89-BB9C-C4596798D183}" type="datetimeFigureOut">
               <a:rPr lang="en-GB" smtClean="0"/>
-              <a:t>03/03/2019</a:t>
+              <a:t>10/04/2019</a:t>
             </a:fld>
             <a:endParaRPr lang="en-GB"/>
           </a:p>
@@ -4073,7 +4208,7 @@
           <a:p>
             <a:fld id="{F9CBECAF-DD63-4D89-BB9C-C4596798D183}" type="datetimeFigureOut">
               <a:rPr lang="en-GB" smtClean="0"/>
-              <a:t>03/03/2019</a:t>
+              <a:t>10/04/2019</a:t>
             </a:fld>
             <a:endParaRPr lang="en-GB"/>
           </a:p>
@@ -4168,7 +4303,7 @@
           <a:p>
             <a:fld id="{F9CBECAF-DD63-4D89-BB9C-C4596798D183}" type="datetimeFigureOut">
               <a:rPr lang="en-GB" smtClean="0"/>
-              <a:t>03/03/2019</a:t>
+              <a:t>10/04/2019</a:t>
             </a:fld>
             <a:endParaRPr lang="en-GB"/>
           </a:p>
@@ -4445,7 +4580,7 @@
           <a:p>
             <a:fld id="{F9CBECAF-DD63-4D89-BB9C-C4596798D183}" type="datetimeFigureOut">
               <a:rPr lang="en-GB" smtClean="0"/>
-              <a:t>03/03/2019</a:t>
+              <a:t>10/04/2019</a:t>
             </a:fld>
             <a:endParaRPr lang="en-GB"/>
           </a:p>
@@ -4698,7 +4833,7 @@
           <a:p>
             <a:fld id="{F9CBECAF-DD63-4D89-BB9C-C4596798D183}" type="datetimeFigureOut">
               <a:rPr lang="en-GB" smtClean="0"/>
-              <a:t>03/03/2019</a:t>
+              <a:t>10/04/2019</a:t>
             </a:fld>
             <a:endParaRPr lang="en-GB"/>
           </a:p>
@@ -4911,7 +5046,7 @@
           <a:p>
             <a:fld id="{F9CBECAF-DD63-4D89-BB9C-C4596798D183}" type="datetimeFigureOut">
               <a:rPr lang="en-GB" smtClean="0"/>
-              <a:t>03/03/2019</a:t>
+              <a:t>10/04/2019</a:t>
             </a:fld>
             <a:endParaRPr lang="en-GB"/>
           </a:p>
@@ -5316,97 +5451,166 @@
           <a:chExt cx="0" cy="0"/>
         </a:xfrm>
       </p:grpSpPr>
-      <p:sp>
-        <p:nvSpPr>
-          <p:cNvPr id="3" name="Nadpis 2"/>
-          <p:cNvSpPr>
-            <a:spLocks noGrp="1"/>
-          </p:cNvSpPr>
-          <p:nvPr>
-            <p:ph type="ctrTitle"/>
-          </p:nvPr>
-        </p:nvSpPr>
-        <p:spPr>
+      <p:pic>
+        <p:nvPicPr>
+          <p:cNvPr id="1028" name="Picture 4" descr="VÃ½sledok vyhÄ¾adÃ¡vania obrÃ¡zkov pre dopyt people on their phones png"/>
+          <p:cNvPicPr>
+            <a:picLocks noChangeAspect="1" noChangeArrowheads="1"/>
+          </p:cNvPicPr>
+          <p:nvPr/>
+        </p:nvPicPr>
+        <p:blipFill>
+          <a:blip r:embed="rId3">
+            <a:extLst>
+              <a:ext uri="{28A0092B-C50C-407E-A947-70E740481C1C}">
+                <a14:useLocalDpi xmlns:a14="http://schemas.microsoft.com/office/drawing/2010/main" val="0"/>
+              </a:ext>
+            </a:extLst>
+          </a:blip>
+          <a:srcRect/>
+          <a:stretch>
+            <a:fillRect/>
+          </a:stretch>
+        </p:blipFill>
+        <p:spPr bwMode="auto">
           <a:xfrm>
-            <a:off x="1068659" y="1122363"/>
-            <a:ext cx="10054683" cy="2387600"/>
+            <a:off x="766020" y="1918010"/>
+            <a:ext cx="5275657" cy="2983145"/>
           </a:xfrm>
+          <a:prstGeom prst="rect">
+            <a:avLst/>
+          </a:prstGeom>
+          <a:noFill/>
+          <a:extLst>
+            <a:ext uri="{909E8E84-426E-40DD-AFC4-6F175D3DCCD1}">
+              <a14:hiddenFill xmlns:a14="http://schemas.microsoft.com/office/drawing/2010/main">
+                <a:solidFill>
+                  <a:srgbClr val="FFFFFF"/>
+                </a:solidFill>
+              </a14:hiddenFill>
+            </a:ext>
+          </a:extLst>
         </p:spPr>
-        <p:txBody>
-          <a:bodyPr/>
-          <a:lstStyle/>
-          <a:p>
-            <a:r>
-              <a:rPr lang="sk-SK" dirty="0" smtClean="0">
-                <a:solidFill>
-                  <a:srgbClr val="264653"/>
-                </a:solidFill>
-              </a:rPr>
-              <a:t>Bezpečnosť bezdrôtových sietí</a:t>
-            </a:r>
-            <a:r>
-              <a:rPr lang="sk-SK" dirty="0" smtClean="0"/>
-              <a:t/>
-            </a:r>
-            <a:br>
-              <a:rPr lang="sk-SK" dirty="0" smtClean="0"/>
-            </a:br>
-            <a:r>
-              <a:rPr lang="sk-SK" sz="4400" dirty="0" smtClean="0">
-                <a:solidFill>
-                  <a:srgbClr val="F3A261"/>
-                </a:solidFill>
-              </a:rPr>
-              <a:t>učebná pomôcka</a:t>
-            </a:r>
-            <a:endParaRPr lang="en-GB" sz="4400" dirty="0">
-              <a:solidFill>
-                <a:srgbClr val="F3A261"/>
-              </a:solidFill>
-            </a:endParaRPr>
-          </a:p>
-        </p:txBody>
-      </p:sp>
-      <p:sp>
-        <p:nvSpPr>
-          <p:cNvPr id="4" name="Podnadpis 3"/>
-          <p:cNvSpPr>
-            <a:spLocks noGrp="1"/>
-          </p:cNvSpPr>
-          <p:nvPr>
-            <p:ph type="subTitle" idx="1"/>
-          </p:nvPr>
-        </p:nvSpPr>
-        <p:spPr>
+      </p:pic>
+      <p:grpSp>
+        <p:nvGrpSpPr>
+          <p:cNvPr id="4" name="Skupina 3"/>
+          <p:cNvGrpSpPr/>
+          <p:nvPr/>
+        </p:nvGrpSpPr>
+        <p:grpSpPr>
           <a:xfrm>
-            <a:off x="1524000" y="4516438"/>
-            <a:ext cx="9144000" cy="1655762"/>
+            <a:off x="6584677" y="1561171"/>
+            <a:ext cx="4852454" cy="3845507"/>
+            <a:chOff x="6757099" y="1561171"/>
+            <a:chExt cx="4852454" cy="3845507"/>
           </a:xfrm>
-        </p:spPr>
-        <p:txBody>
-          <a:bodyPr/>
-          <a:lstStyle/>
-          <a:p>
-            <a:r>
-              <a:rPr lang="sk-SK" dirty="0" smtClean="0">
-                <a:solidFill>
-                  <a:srgbClr val="264653"/>
-                </a:solidFill>
-              </a:rPr>
-              <a:t>Andrej Szalma IV.IT</a:t>
-            </a:r>
-            <a:endParaRPr lang="en-GB" dirty="0">
-              <a:solidFill>
-                <a:srgbClr val="264653"/>
-              </a:solidFill>
-            </a:endParaRPr>
-          </a:p>
-        </p:txBody>
-      </p:sp>
+        </p:grpSpPr>
+        <p:pic>
+          <p:nvPicPr>
+            <p:cNvPr id="1026" name="Picture 2" descr="VÃ½sledok vyhÄ¾adÃ¡vania obrÃ¡zkov pre dopyt carp png"/>
+            <p:cNvPicPr>
+              <a:picLocks noChangeAspect="1" noChangeArrowheads="1"/>
+            </p:cNvPicPr>
+            <p:nvPr/>
+          </p:nvPicPr>
+          <p:blipFill>
+            <a:blip r:embed="rId4">
+              <a:extLst>
+                <a:ext uri="{BEBA8EAE-BF5A-486C-A8C5-ECC9F3942E4B}">
+                  <a14:imgProps xmlns:a14="http://schemas.microsoft.com/office/drawing/2010/main">
+                    <a14:imgLayer r:embed="rId5">
+                      <a14:imgEffect>
+                        <a14:backgroundRemoval t="10000" b="90000" l="10000" r="90000"/>
+                      </a14:imgEffect>
+                    </a14:imgLayer>
+                  </a14:imgProps>
+                </a:ext>
+                <a:ext uri="{28A0092B-C50C-407E-A947-70E740481C1C}">
+                  <a14:useLocalDpi xmlns:a14="http://schemas.microsoft.com/office/drawing/2010/main" val="0"/>
+                </a:ext>
+              </a:extLst>
+            </a:blip>
+            <a:srcRect/>
+            <a:stretch>
+              <a:fillRect/>
+            </a:stretch>
+          </p:blipFill>
+          <p:spPr bwMode="auto">
+            <a:xfrm>
+              <a:off x="6757099" y="1561171"/>
+              <a:ext cx="3868823" cy="2589136"/>
+            </a:xfrm>
+            <a:prstGeom prst="rect">
+              <a:avLst/>
+            </a:prstGeom>
+            <a:noFill/>
+            <a:extLst>
+              <a:ext uri="{909E8E84-426E-40DD-AFC4-6F175D3DCCD1}">
+                <a14:hiddenFill xmlns:a14="http://schemas.microsoft.com/office/drawing/2010/main">
+                  <a:solidFill>
+                    <a:srgbClr val="FFFFFF"/>
+                  </a:solidFill>
+                </a14:hiddenFill>
+              </a:ext>
+            </a:extLst>
+          </p:spPr>
+        </p:pic>
+        <p:pic>
+          <p:nvPicPr>
+            <p:cNvPr id="6" name="Picture 2" descr="VÃ½sledok vyhÄ¾adÃ¡vania obrÃ¡zkov pre dopyt carp png"/>
+            <p:cNvPicPr>
+              <a:picLocks noChangeAspect="1" noChangeArrowheads="1"/>
+            </p:cNvPicPr>
+            <p:nvPr/>
+          </p:nvPicPr>
+          <p:blipFill>
+            <a:blip r:embed="rId4">
+              <a:extLst>
+                <a:ext uri="{BEBA8EAE-BF5A-486C-A8C5-ECC9F3942E4B}">
+                  <a14:imgProps xmlns:a14="http://schemas.microsoft.com/office/drawing/2010/main">
+                    <a14:imgLayer r:embed="rId5">
+                      <a14:imgEffect>
+                        <a14:backgroundRemoval t="10000" b="90000" l="10000" r="90000"/>
+                      </a14:imgEffect>
+                    </a14:imgLayer>
+                  </a14:imgProps>
+                </a:ext>
+                <a:ext uri="{28A0092B-C50C-407E-A947-70E740481C1C}">
+                  <a14:useLocalDpi xmlns:a14="http://schemas.microsoft.com/office/drawing/2010/main" val="0"/>
+                </a:ext>
+              </a:extLst>
+            </a:blip>
+            <a:srcRect/>
+            <a:stretch>
+              <a:fillRect/>
+            </a:stretch>
+          </p:blipFill>
+          <p:spPr bwMode="auto">
+            <a:xfrm flipH="1">
+              <a:off x="8292250" y="3186636"/>
+              <a:ext cx="3317303" cy="2220042"/>
+            </a:xfrm>
+            <a:prstGeom prst="rect">
+              <a:avLst/>
+            </a:prstGeom>
+            <a:noFill/>
+            <a:extLst>
+              <a:ext uri="{909E8E84-426E-40DD-AFC4-6F175D3DCCD1}">
+                <a14:hiddenFill xmlns:a14="http://schemas.microsoft.com/office/drawing/2010/main">
+                  <a:solidFill>
+                    <a:srgbClr val="FFFFFF"/>
+                  </a:solidFill>
+                </a14:hiddenFill>
+              </a:ext>
+            </a:extLst>
+          </p:spPr>
+        </p:pic>
+      </p:grpSp>
     </p:spTree>
     <p:extLst>
       <p:ext uri="{BB962C8B-B14F-4D97-AF65-F5344CB8AC3E}">
-        <p14:creationId xmlns:p14="http://schemas.microsoft.com/office/powerpoint/2010/main" val="1822199618"/>
+        <p14:creationId xmlns:p14="http://schemas.microsoft.com/office/powerpoint/2010/main" val="4154608265"/>
       </p:ext>
     </p:extLst>
   </p:cSld>
@@ -5424,6 +5628,114 @@
 </file>
 
 <file path=ppt/slides/slide10.xml><?xml version="1.0" encoding="utf-8"?>
+<p:sld xmlns:a="http://schemas.openxmlformats.org/drawingml/2006/main" xmlns:r="http://schemas.openxmlformats.org/officeDocument/2006/relationships" xmlns:p="http://schemas.openxmlformats.org/presentationml/2006/main">
+  <p:cSld>
+    <p:spTree>
+      <p:nvGrpSpPr>
+        <p:cNvPr id="1" name=""/>
+        <p:cNvGrpSpPr/>
+        <p:nvPr/>
+      </p:nvGrpSpPr>
+      <p:grpSpPr>
+        <a:xfrm>
+          <a:off x="0" y="0"/>
+          <a:ext cx="0" cy="0"/>
+          <a:chOff x="0" y="0"/>
+          <a:chExt cx="0" cy="0"/>
+        </a:xfrm>
+      </p:grpSpPr>
+      <p:pic>
+        <p:nvPicPr>
+          <p:cNvPr id="4098" name="Picture 2" descr="VÃ½sledok vyhÄ¾adÃ¡vania obrÃ¡zkov pre dopyt google pixel mockup png"/>
+          <p:cNvPicPr>
+            <a:picLocks noChangeAspect="1" noChangeArrowheads="1"/>
+          </p:cNvPicPr>
+          <p:nvPr/>
+        </p:nvPicPr>
+        <p:blipFill>
+          <a:blip r:embed="rId3">
+            <a:extLst>
+              <a:ext uri="{28A0092B-C50C-407E-A947-70E740481C1C}">
+                <a14:useLocalDpi xmlns:a14="http://schemas.microsoft.com/office/drawing/2010/main" val="0"/>
+              </a:ext>
+            </a:extLst>
+          </a:blip>
+          <a:srcRect/>
+          <a:stretch>
+            <a:fillRect/>
+          </a:stretch>
+        </p:blipFill>
+        <p:spPr bwMode="auto">
+          <a:xfrm>
+            <a:off x="3571875" y="904875"/>
+            <a:ext cx="5048250" cy="5048250"/>
+          </a:xfrm>
+          <a:prstGeom prst="rect">
+            <a:avLst/>
+          </a:prstGeom>
+          <a:noFill/>
+          <a:extLst>
+            <a:ext uri="{909E8E84-426E-40DD-AFC4-6F175D3DCCD1}">
+              <a14:hiddenFill xmlns:a14="http://schemas.microsoft.com/office/drawing/2010/main">
+                <a:solidFill>
+                  <a:srgbClr val="FFFFFF"/>
+                </a:solidFill>
+              </a14:hiddenFill>
+            </a:ext>
+          </a:extLst>
+        </p:spPr>
+      </p:pic>
+      <p:pic>
+        <p:nvPicPr>
+          <p:cNvPr id="2" name="Obrázek 1"/>
+          <p:cNvPicPr>
+            <a:picLocks noChangeAspect="1"/>
+          </p:cNvPicPr>
+          <p:nvPr/>
+        </p:nvPicPr>
+        <p:blipFill>
+          <a:blip r:embed="rId4" cstate="print">
+            <a:extLst>
+              <a:ext uri="{28A0092B-C50C-407E-A947-70E740481C1C}">
+                <a14:useLocalDpi xmlns:a14="http://schemas.microsoft.com/office/drawing/2010/main" val="0"/>
+              </a:ext>
+            </a:extLst>
+          </a:blip>
+          <a:stretch>
+            <a:fillRect/>
+          </a:stretch>
+        </p:blipFill>
+        <p:spPr>
+          <a:xfrm>
+            <a:off x="5051602" y="1607220"/>
+            <a:ext cx="2069131" cy="3678456"/>
+          </a:xfrm>
+          <a:prstGeom prst="rect">
+            <a:avLst/>
+          </a:prstGeom>
+        </p:spPr>
+      </p:pic>
+    </p:spTree>
+    <p:extLst>
+      <p:ext uri="{BB962C8B-B14F-4D97-AF65-F5344CB8AC3E}">
+        <p14:creationId xmlns:p14="http://schemas.microsoft.com/office/powerpoint/2010/main" val="4170323975"/>
+      </p:ext>
+    </p:extLst>
+  </p:cSld>
+  <p:clrMapOvr>
+    <a:masterClrMapping/>
+  </p:clrMapOvr>
+  <p:timing>
+    <p:tnLst>
+      <p:par>
+        <p:cTn id="1" dur="indefinite" restart="never" nodeType="tmRoot"/>
+      </p:par>
+    </p:tnLst>
+  </p:timing>
+</p:sld>
+</file>
+
+<file path=ppt/slides/slide11.xml><?xml version="1.0" encoding="utf-8"?>
 <p:sld xmlns:a="http://schemas.openxmlformats.org/drawingml/2006/main" xmlns:r="http://schemas.openxmlformats.org/officeDocument/2006/relationships" xmlns:p="http://schemas.openxmlformats.org/presentationml/2006/main">
   <p:cSld>
     <p:spTree>
@@ -5531,7 +5843,7 @@
 </p:sld>
 </file>
 
-<file path=ppt/slides/slide11.xml><?xml version="1.0" encoding="utf-8"?>
+<file path=ppt/slides/slide12.xml><?xml version="1.0" encoding="utf-8"?>
 <p:sld xmlns:a="http://schemas.openxmlformats.org/drawingml/2006/main" xmlns:r="http://schemas.openxmlformats.org/officeDocument/2006/relationships" xmlns:p="http://schemas.openxmlformats.org/presentationml/2006/main">
   <p:cSld>
     <p:spTree>
@@ -5639,7 +5951,7 @@
 </p:sld>
 </file>
 
-<file path=ppt/slides/slide12.xml><?xml version="1.0" encoding="utf-8"?>
+<file path=ppt/slides/slide13.xml><?xml version="1.0" encoding="utf-8"?>
 <p:sld xmlns:a="http://schemas.openxmlformats.org/drawingml/2006/main" xmlns:r="http://schemas.openxmlformats.org/officeDocument/2006/relationships" xmlns:p="http://schemas.openxmlformats.org/presentationml/2006/main">
   <p:cSld>
     <p:spTree>
@@ -5747,7 +6059,7 @@
 </p:sld>
 </file>
 
-<file path=ppt/slides/slide13.xml><?xml version="1.0" encoding="utf-8"?>
+<file path=ppt/slides/slide14.xml><?xml version="1.0" encoding="utf-8"?>
 <p:sld xmlns:a="http://schemas.openxmlformats.org/drawingml/2006/main" xmlns:r="http://schemas.openxmlformats.org/officeDocument/2006/relationships" xmlns:p="http://schemas.openxmlformats.org/presentationml/2006/main">
   <p:cSld>
     <p:spTree>
@@ -5855,7 +6167,7 @@
 </p:sld>
 </file>
 
-<file path=ppt/slides/slide14.xml><?xml version="1.0" encoding="utf-8"?>
+<file path=ppt/slides/slide15.xml><?xml version="1.0" encoding="utf-8"?>
 <p:sld xmlns:a="http://schemas.openxmlformats.org/drawingml/2006/main" xmlns:r="http://schemas.openxmlformats.org/officeDocument/2006/relationships" xmlns:p="http://schemas.openxmlformats.org/presentationml/2006/main">
   <p:cSld>
     <p:spTree>
@@ -5963,7 +6275,7 @@
 </p:sld>
 </file>
 
-<file path=ppt/slides/slide15.xml><?xml version="1.0" encoding="utf-8"?>
+<file path=ppt/slides/slide16.xml><?xml version="1.0" encoding="utf-8"?>
 <p:sld xmlns:a="http://schemas.openxmlformats.org/drawingml/2006/main" xmlns:r="http://schemas.openxmlformats.org/officeDocument/2006/relationships" xmlns:p="http://schemas.openxmlformats.org/presentationml/2006/main">
   <p:cSld>
     <p:spTree>
@@ -6071,7 +6383,7 @@
 </p:sld>
 </file>
 
-<file path=ppt/slides/slide16.xml><?xml version="1.0" encoding="utf-8"?>
+<file path=ppt/slides/slide17.xml><?xml version="1.0" encoding="utf-8"?>
 <p:sld xmlns:a="http://schemas.openxmlformats.org/drawingml/2006/main" xmlns:r="http://schemas.openxmlformats.org/officeDocument/2006/relationships" xmlns:p="http://schemas.openxmlformats.org/presentationml/2006/main">
   <p:cSld>
     <p:spTree>
@@ -6179,7 +6491,7 @@
 </p:sld>
 </file>
 
-<file path=ppt/slides/slide17.xml><?xml version="1.0" encoding="utf-8"?>
+<file path=ppt/slides/slide18.xml><?xml version="1.0" encoding="utf-8"?>
 <p:sld xmlns:a="http://schemas.openxmlformats.org/drawingml/2006/main" xmlns:r="http://schemas.openxmlformats.org/officeDocument/2006/relationships" xmlns:p="http://schemas.openxmlformats.org/presentationml/2006/main">
   <p:cSld>
     <p:spTree>
@@ -6287,7 +6599,7 @@
 </p:sld>
 </file>
 
-<file path=ppt/slides/slide18.xml><?xml version="1.0" encoding="utf-8"?>
+<file path=ppt/slides/slide19.xml><?xml version="1.0" encoding="utf-8"?>
 <p:sld xmlns:a="http://schemas.openxmlformats.org/drawingml/2006/main" xmlns:r="http://schemas.openxmlformats.org/officeDocument/2006/relationships" xmlns:p="http://schemas.openxmlformats.org/presentationml/2006/main">
   <p:cSld>
     <p:spTree>
@@ -6395,7 +6707,139 @@
 </p:sld>
 </file>
 
-<file path=ppt/slides/slide19.xml><?xml version="1.0" encoding="utf-8"?>
+<file path=ppt/slides/slide2.xml><?xml version="1.0" encoding="utf-8"?>
+<p:sld xmlns:a="http://schemas.openxmlformats.org/drawingml/2006/main" xmlns:r="http://schemas.openxmlformats.org/officeDocument/2006/relationships" xmlns:p="http://schemas.openxmlformats.org/presentationml/2006/main">
+  <p:cSld>
+    <p:spTree>
+      <p:nvGrpSpPr>
+        <p:cNvPr id="1" name=""/>
+        <p:cNvGrpSpPr/>
+        <p:nvPr/>
+      </p:nvGrpSpPr>
+      <p:grpSpPr>
+        <a:xfrm>
+          <a:off x="0" y="0"/>
+          <a:ext cx="0" cy="0"/>
+          <a:chOff x="0" y="0"/>
+          <a:chExt cx="0" cy="0"/>
+        </a:xfrm>
+      </p:grpSpPr>
+      <p:sp>
+        <p:nvSpPr>
+          <p:cNvPr id="3" name="Nadpis 2"/>
+          <p:cNvSpPr>
+            <a:spLocks noGrp="1"/>
+          </p:cNvSpPr>
+          <p:nvPr>
+            <p:ph type="ctrTitle"/>
+          </p:nvPr>
+        </p:nvSpPr>
+        <p:spPr>
+          <a:xfrm>
+            <a:off x="1068659" y="1468049"/>
+            <a:ext cx="10054683" cy="2387600"/>
+          </a:xfrm>
+        </p:spPr>
+        <p:txBody>
+          <a:bodyPr/>
+          <a:lstStyle/>
+          <a:p>
+            <a:r>
+              <a:rPr lang="sk-SK" dirty="0" smtClean="0">
+                <a:solidFill>
+                  <a:srgbClr val="264653"/>
+                </a:solidFill>
+              </a:rPr>
+              <a:t>Bezpečnostné protokoly </a:t>
+            </a:r>
+            <a:r>
+              <a:rPr lang="sk-SK" dirty="0" smtClean="0">
+                <a:solidFill>
+                  <a:srgbClr val="264653"/>
+                </a:solidFill>
+              </a:rPr>
+              <a:t>bezdrôtových sietí</a:t>
+            </a:r>
+            <a:r>
+              <a:rPr lang="sk-SK" dirty="0" smtClean="0"/>
+              <a:t/>
+            </a:r>
+            <a:br>
+              <a:rPr lang="sk-SK" dirty="0" smtClean="0"/>
+            </a:br>
+            <a:r>
+              <a:rPr lang="sk-SK" sz="4400" dirty="0" smtClean="0">
+                <a:solidFill>
+                  <a:srgbClr val="F3A261"/>
+                </a:solidFill>
+              </a:rPr>
+              <a:t>učebná pomôcka</a:t>
+            </a:r>
+            <a:endParaRPr lang="en-GB" sz="4400" dirty="0">
+              <a:solidFill>
+                <a:srgbClr val="F3A261"/>
+              </a:solidFill>
+            </a:endParaRPr>
+          </a:p>
+        </p:txBody>
+      </p:sp>
+      <p:sp>
+        <p:nvSpPr>
+          <p:cNvPr id="4" name="Podnadpis 3"/>
+          <p:cNvSpPr>
+            <a:spLocks noGrp="1"/>
+          </p:cNvSpPr>
+          <p:nvPr>
+            <p:ph type="subTitle" idx="1"/>
+          </p:nvPr>
+        </p:nvSpPr>
+        <p:spPr>
+          <a:xfrm>
+            <a:off x="1524000" y="4516438"/>
+            <a:ext cx="9144000" cy="1655762"/>
+          </a:xfrm>
+        </p:spPr>
+        <p:txBody>
+          <a:bodyPr/>
+          <a:lstStyle/>
+          <a:p>
+            <a:r>
+              <a:rPr lang="sk-SK" dirty="0" smtClean="0">
+                <a:solidFill>
+                  <a:srgbClr val="264653"/>
+                </a:solidFill>
+              </a:rPr>
+              <a:t>Andrej Szalma IV.IT</a:t>
+            </a:r>
+            <a:endParaRPr lang="en-GB" dirty="0">
+              <a:solidFill>
+                <a:srgbClr val="264653"/>
+              </a:solidFill>
+            </a:endParaRPr>
+          </a:p>
+        </p:txBody>
+      </p:sp>
+    </p:spTree>
+    <p:extLst>
+      <p:ext uri="{BB962C8B-B14F-4D97-AF65-F5344CB8AC3E}">
+        <p14:creationId xmlns:p14="http://schemas.microsoft.com/office/powerpoint/2010/main" val="1822199618"/>
+      </p:ext>
+    </p:extLst>
+  </p:cSld>
+  <p:clrMapOvr>
+    <a:masterClrMapping/>
+  </p:clrMapOvr>
+  <p:timing>
+    <p:tnLst>
+      <p:par>
+        <p:cTn id="1" dur="indefinite" restart="never" nodeType="tmRoot"/>
+      </p:par>
+    </p:tnLst>
+  </p:timing>
+</p:sld>
+</file>
+
+<file path=ppt/slides/slide20.xml><?xml version="1.0" encoding="utf-8"?>
 <p:sld xmlns:a="http://schemas.openxmlformats.org/drawingml/2006/main" xmlns:r="http://schemas.openxmlformats.org/officeDocument/2006/relationships" xmlns:p="http://schemas.openxmlformats.org/presentationml/2006/main">
   <p:cSld>
     <p:spTree>
@@ -6434,7 +6878,7 @@
         </p:blipFill>
         <p:spPr>
           <a:xfrm>
-            <a:off x="4439224" y="1746556"/>
+            <a:off x="4439224" y="1623895"/>
             <a:ext cx="3313553" cy="3364888"/>
           </a:xfrm>
           <a:prstGeom prst="rect">
@@ -6442,6 +6886,72 @@
           </a:prstGeom>
         </p:spPr>
       </p:pic>
+      <p:sp>
+        <p:nvSpPr>
+          <p:cNvPr id="3" name="TextovéPole 2"/>
+          <p:cNvSpPr txBox="1"/>
+          <p:nvPr/>
+        </p:nvSpPr>
+        <p:spPr>
+          <a:xfrm>
+            <a:off x="3854605" y="5303780"/>
+            <a:ext cx="4482791" cy="584775"/>
+          </a:xfrm>
+          <a:prstGeom prst="rect">
+            <a:avLst/>
+          </a:prstGeom>
+          <a:noFill/>
+        </p:spPr>
+        <p:txBody>
+          <a:bodyPr wrap="square" rtlCol="0">
+            <a:spAutoFit/>
+          </a:bodyPr>
+          <a:lstStyle/>
+          <a:p>
+            <a:r>
+              <a:rPr lang="sk-SK" sz="3200" dirty="0">
+                <a:solidFill>
+                  <a:srgbClr val="264653"/>
+                </a:solidFill>
+                <a:latin typeface="+mj-lt"/>
+                <a:ea typeface="+mj-ea"/>
+                <a:cs typeface="+mj-cs"/>
+              </a:rPr>
+              <a:t>Github.com/</a:t>
+            </a:r>
+            <a:r>
+              <a:rPr lang="sk-SK" sz="3200" dirty="0" err="1">
+                <a:solidFill>
+                  <a:srgbClr val="264653"/>
+                </a:solidFill>
+                <a:latin typeface="+mj-lt"/>
+                <a:ea typeface="+mj-ea"/>
+                <a:cs typeface="+mj-cs"/>
+              </a:rPr>
+              <a:t>andycko</a:t>
+            </a:r>
+            <a:r>
+              <a:rPr lang="sk-SK" sz="3200" dirty="0">
+                <a:solidFill>
+                  <a:srgbClr val="264653"/>
+                </a:solidFill>
+                <a:latin typeface="+mj-lt"/>
+                <a:ea typeface="+mj-ea"/>
+                <a:cs typeface="+mj-cs"/>
+              </a:rPr>
+              <a:t>/Felix</a:t>
+            </a:r>
+            <a:endParaRPr lang="en-GB" sz="3200" dirty="0">
+              <a:solidFill>
+                <a:srgbClr val="264653"/>
+              </a:solidFill>
+              <a:latin typeface="+mj-lt"/>
+              <a:ea typeface="+mj-ea"/>
+              <a:cs typeface="+mj-cs"/>
+            </a:endParaRPr>
+          </a:p>
+        </p:txBody>
+      </p:sp>
     </p:spTree>
     <p:extLst>
       <p:ext uri="{BB962C8B-B14F-4D97-AF65-F5344CB8AC3E}">
@@ -6462,7 +6972,7 @@
 </p:sld>
 </file>
 
-<file path=ppt/slides/slide2.xml><?xml version="1.0" encoding="utf-8"?>
+<file path=ppt/slides/slide3.xml><?xml version="1.0" encoding="utf-8"?>
 <p:sld xmlns:a="http://schemas.openxmlformats.org/drawingml/2006/main" xmlns:r="http://schemas.openxmlformats.org/officeDocument/2006/relationships" xmlns:p="http://schemas.openxmlformats.org/presentationml/2006/main">
   <p:cSld>
     <p:spTree>
@@ -6577,7 +7087,7 @@
 </p:sld>
 </file>
 
-<file path=ppt/slides/slide3.xml><?xml version="1.0" encoding="utf-8"?>
+<file path=ppt/slides/slide4.xml><?xml version="1.0" encoding="utf-8"?>
 <p:sld xmlns:a="http://schemas.openxmlformats.org/drawingml/2006/main" xmlns:r="http://schemas.openxmlformats.org/officeDocument/2006/relationships" xmlns:p="http://schemas.openxmlformats.org/presentationml/2006/main">
   <p:cSld>
     <p:spTree>
@@ -6655,7 +7165,7 @@
 </p:sld>
 </file>
 
-<file path=ppt/slides/slide4.xml><?xml version="1.0" encoding="utf-8"?>
+<file path=ppt/slides/slide5.xml><?xml version="1.0" encoding="utf-8"?>
 <p:sld xmlns:a="http://schemas.openxmlformats.org/drawingml/2006/main" xmlns:r="http://schemas.openxmlformats.org/officeDocument/2006/relationships" xmlns:p="http://schemas.openxmlformats.org/presentationml/2006/main">
   <p:cSld>
     <p:spTree>
@@ -6770,7 +7280,7 @@
 </p:sld>
 </file>
 
-<file path=ppt/slides/slide5.xml><?xml version="1.0" encoding="utf-8"?>
+<file path=ppt/slides/slide6.xml><?xml version="1.0" encoding="utf-8"?>
 <p:sld xmlns:a="http://schemas.openxmlformats.org/drawingml/2006/main" xmlns:r="http://schemas.openxmlformats.org/officeDocument/2006/relationships" xmlns:p="http://schemas.openxmlformats.org/presentationml/2006/main">
   <p:cSld>
     <p:spTree>
@@ -6868,7 +7378,7 @@
 </p:sld>
 </file>
 
-<file path=ppt/slides/slide6.xml><?xml version="1.0" encoding="utf-8"?>
+<file path=ppt/slides/slide7.xml><?xml version="1.0" encoding="utf-8"?>
 <p:sld xmlns:a="http://schemas.openxmlformats.org/drawingml/2006/main" xmlns:r="http://schemas.openxmlformats.org/officeDocument/2006/relationships" xmlns:p="http://schemas.openxmlformats.org/presentationml/2006/main">
   <p:cSld>
     <p:spTree>
@@ -7438,7 +7948,7 @@
 </p:sld>
 </file>
 
-<file path=ppt/slides/slide7.xml><?xml version="1.0" encoding="utf-8"?>
+<file path=ppt/slides/slide8.xml><?xml version="1.0" encoding="utf-8"?>
 <p:sld xmlns:a="http://schemas.openxmlformats.org/drawingml/2006/main" xmlns:r="http://schemas.openxmlformats.org/officeDocument/2006/relationships" xmlns:p="http://schemas.openxmlformats.org/presentationml/2006/main">
   <p:cSld>
     <p:spTree>
@@ -7546,7 +8056,7 @@
 </p:sld>
 </file>
 
-<file path=ppt/slides/slide8.xml><?xml version="1.0" encoding="utf-8"?>
+<file path=ppt/slides/slide9.xml><?xml version="1.0" encoding="utf-8"?>
 <p:sld xmlns:a="http://schemas.openxmlformats.org/drawingml/2006/main" xmlns:r="http://schemas.openxmlformats.org/officeDocument/2006/relationships" xmlns:p="http://schemas.openxmlformats.org/presentationml/2006/main">
   <p:cSld>
     <p:spTree>
@@ -7638,114 +8148,6 @@
     <p:extLst>
       <p:ext uri="{BB962C8B-B14F-4D97-AF65-F5344CB8AC3E}">
         <p14:creationId xmlns:p14="http://schemas.microsoft.com/office/powerpoint/2010/main" val="3625714309"/>
-      </p:ext>
-    </p:extLst>
-  </p:cSld>
-  <p:clrMapOvr>
-    <a:masterClrMapping/>
-  </p:clrMapOvr>
-  <p:timing>
-    <p:tnLst>
-      <p:par>
-        <p:cTn id="1" dur="indefinite" restart="never" nodeType="tmRoot"/>
-      </p:par>
-    </p:tnLst>
-  </p:timing>
-</p:sld>
-</file>
-
-<file path=ppt/slides/slide9.xml><?xml version="1.0" encoding="utf-8"?>
-<p:sld xmlns:a="http://schemas.openxmlformats.org/drawingml/2006/main" xmlns:r="http://schemas.openxmlformats.org/officeDocument/2006/relationships" xmlns:p="http://schemas.openxmlformats.org/presentationml/2006/main">
-  <p:cSld>
-    <p:spTree>
-      <p:nvGrpSpPr>
-        <p:cNvPr id="1" name=""/>
-        <p:cNvGrpSpPr/>
-        <p:nvPr/>
-      </p:nvGrpSpPr>
-      <p:grpSpPr>
-        <a:xfrm>
-          <a:off x="0" y="0"/>
-          <a:ext cx="0" cy="0"/>
-          <a:chOff x="0" y="0"/>
-          <a:chExt cx="0" cy="0"/>
-        </a:xfrm>
-      </p:grpSpPr>
-      <p:pic>
-        <p:nvPicPr>
-          <p:cNvPr id="4098" name="Picture 2" descr="VÃ½sledok vyhÄ¾adÃ¡vania obrÃ¡zkov pre dopyt google pixel mockup png"/>
-          <p:cNvPicPr>
-            <a:picLocks noChangeAspect="1" noChangeArrowheads="1"/>
-          </p:cNvPicPr>
-          <p:nvPr/>
-        </p:nvPicPr>
-        <p:blipFill>
-          <a:blip r:embed="rId3">
-            <a:extLst>
-              <a:ext uri="{28A0092B-C50C-407E-A947-70E740481C1C}">
-                <a14:useLocalDpi xmlns:a14="http://schemas.microsoft.com/office/drawing/2010/main" val="0"/>
-              </a:ext>
-            </a:extLst>
-          </a:blip>
-          <a:srcRect/>
-          <a:stretch>
-            <a:fillRect/>
-          </a:stretch>
-        </p:blipFill>
-        <p:spPr bwMode="auto">
-          <a:xfrm>
-            <a:off x="3571875" y="904875"/>
-            <a:ext cx="5048250" cy="5048250"/>
-          </a:xfrm>
-          <a:prstGeom prst="rect">
-            <a:avLst/>
-          </a:prstGeom>
-          <a:noFill/>
-          <a:extLst>
-            <a:ext uri="{909E8E84-426E-40DD-AFC4-6F175D3DCCD1}">
-              <a14:hiddenFill xmlns:a14="http://schemas.microsoft.com/office/drawing/2010/main">
-                <a:solidFill>
-                  <a:srgbClr val="FFFFFF"/>
-                </a:solidFill>
-              </a14:hiddenFill>
-            </a:ext>
-          </a:extLst>
-        </p:spPr>
-      </p:pic>
-      <p:pic>
-        <p:nvPicPr>
-          <p:cNvPr id="2" name="Obrázek 1"/>
-          <p:cNvPicPr>
-            <a:picLocks noChangeAspect="1"/>
-          </p:cNvPicPr>
-          <p:nvPr/>
-        </p:nvPicPr>
-        <p:blipFill>
-          <a:blip r:embed="rId4" cstate="print">
-            <a:extLst>
-              <a:ext uri="{28A0092B-C50C-407E-A947-70E740481C1C}">
-                <a14:useLocalDpi xmlns:a14="http://schemas.microsoft.com/office/drawing/2010/main" val="0"/>
-              </a:ext>
-            </a:extLst>
-          </a:blip>
-          <a:stretch>
-            <a:fillRect/>
-          </a:stretch>
-        </p:blipFill>
-        <p:spPr>
-          <a:xfrm>
-            <a:off x="5051602" y="1607220"/>
-            <a:ext cx="2069131" cy="3678456"/>
-          </a:xfrm>
-          <a:prstGeom prst="rect">
-            <a:avLst/>
-          </a:prstGeom>
-        </p:spPr>
-      </p:pic>
-    </p:spTree>
-    <p:extLst>
-      <p:ext uri="{BB962C8B-B14F-4D97-AF65-F5344CB8AC3E}">
-        <p14:creationId xmlns:p14="http://schemas.microsoft.com/office/powerpoint/2010/main" val="4170323975"/>
       </p:ext>
     </p:extLst>
   </p:cSld>
